--- a/documents/dcpp_CDCI.pptx
+++ b/documents/dcpp_CDCI.pptx
@@ -104,6 +104,11 @@
       </a:defRPr>
     </a:lvl9pPr>
   </p:defaultTextStyle>
+  <p:extLst>
+    <p:ext uri="{EFAFB233-063F-42B5-8137-9DF3F51BA10A}">
+      <p15:sldGuideLst xmlns:p15="http://schemas.microsoft.com/office/powerpoint/2012/main"/>
+    </p:ext>
+  </p:extLst>
 </p:presentation>
 </file>
 
@@ -256,7 +261,7 @@
           <a:p>
             <a:fld id="{36CF1F8B-4DB7-47BB-8DAD-61A9B771C065}" type="datetimeFigureOut">
               <a:rPr lang="en-GB" smtClean="0"/>
-              <a:t>09/06/2021</a:t>
+              <a:t>11/06/2021</a:t>
             </a:fld>
             <a:endParaRPr lang="en-GB"/>
           </a:p>
@@ -456,7 +461,7 @@
           <a:p>
             <a:fld id="{36CF1F8B-4DB7-47BB-8DAD-61A9B771C065}" type="datetimeFigureOut">
               <a:rPr lang="en-GB" smtClean="0"/>
-              <a:t>09/06/2021</a:t>
+              <a:t>11/06/2021</a:t>
             </a:fld>
             <a:endParaRPr lang="en-GB"/>
           </a:p>
@@ -666,7 +671,7 @@
           <a:p>
             <a:fld id="{36CF1F8B-4DB7-47BB-8DAD-61A9B771C065}" type="datetimeFigureOut">
               <a:rPr lang="en-GB" smtClean="0"/>
-              <a:t>09/06/2021</a:t>
+              <a:t>11/06/2021</a:t>
             </a:fld>
             <a:endParaRPr lang="en-GB"/>
           </a:p>
@@ -866,7 +871,7 @@
           <a:p>
             <a:fld id="{36CF1F8B-4DB7-47BB-8DAD-61A9B771C065}" type="datetimeFigureOut">
               <a:rPr lang="en-GB" smtClean="0"/>
-              <a:t>09/06/2021</a:t>
+              <a:t>11/06/2021</a:t>
             </a:fld>
             <a:endParaRPr lang="en-GB"/>
           </a:p>
@@ -1142,7 +1147,7 @@
           <a:p>
             <a:fld id="{36CF1F8B-4DB7-47BB-8DAD-61A9B771C065}" type="datetimeFigureOut">
               <a:rPr lang="en-GB" smtClean="0"/>
-              <a:t>09/06/2021</a:t>
+              <a:t>11/06/2021</a:t>
             </a:fld>
             <a:endParaRPr lang="en-GB"/>
           </a:p>
@@ -1410,7 +1415,7 @@
           <a:p>
             <a:fld id="{36CF1F8B-4DB7-47BB-8DAD-61A9B771C065}" type="datetimeFigureOut">
               <a:rPr lang="en-GB" smtClean="0"/>
-              <a:t>09/06/2021</a:t>
+              <a:t>11/06/2021</a:t>
             </a:fld>
             <a:endParaRPr lang="en-GB"/>
           </a:p>
@@ -1825,7 +1830,7 @@
           <a:p>
             <a:fld id="{36CF1F8B-4DB7-47BB-8DAD-61A9B771C065}" type="datetimeFigureOut">
               <a:rPr lang="en-GB" smtClean="0"/>
-              <a:t>09/06/2021</a:t>
+              <a:t>11/06/2021</a:t>
             </a:fld>
             <a:endParaRPr lang="en-GB"/>
           </a:p>
@@ -1967,7 +1972,7 @@
           <a:p>
             <a:fld id="{36CF1F8B-4DB7-47BB-8DAD-61A9B771C065}" type="datetimeFigureOut">
               <a:rPr lang="en-GB" smtClean="0"/>
-              <a:t>09/06/2021</a:t>
+              <a:t>11/06/2021</a:t>
             </a:fld>
             <a:endParaRPr lang="en-GB"/>
           </a:p>
@@ -2080,7 +2085,7 @@
           <a:p>
             <a:fld id="{36CF1F8B-4DB7-47BB-8DAD-61A9B771C065}" type="datetimeFigureOut">
               <a:rPr lang="en-GB" smtClean="0"/>
-              <a:t>09/06/2021</a:t>
+              <a:t>11/06/2021</a:t>
             </a:fld>
             <a:endParaRPr lang="en-GB"/>
           </a:p>
@@ -2393,7 +2398,7 @@
           <a:p>
             <a:fld id="{36CF1F8B-4DB7-47BB-8DAD-61A9B771C065}" type="datetimeFigureOut">
               <a:rPr lang="en-GB" smtClean="0"/>
-              <a:t>09/06/2021</a:t>
+              <a:t>11/06/2021</a:t>
             </a:fld>
             <a:endParaRPr lang="en-GB"/>
           </a:p>
@@ -2682,7 +2687,7 @@
           <a:p>
             <a:fld id="{36CF1F8B-4DB7-47BB-8DAD-61A9B771C065}" type="datetimeFigureOut">
               <a:rPr lang="en-GB" smtClean="0"/>
-              <a:t>09/06/2021</a:t>
+              <a:t>11/06/2021</a:t>
             </a:fld>
             <a:endParaRPr lang="en-GB"/>
           </a:p>
@@ -2925,7 +2930,7 @@
           <a:p>
             <a:fld id="{36CF1F8B-4DB7-47BB-8DAD-61A9B771C065}" type="datetimeFigureOut">
               <a:rPr lang="en-GB" smtClean="0"/>
-              <a:t>09/06/2021</a:t>
+              <a:t>11/06/2021</a:t>
             </a:fld>
             <a:endParaRPr lang="en-GB"/>
           </a:p>
@@ -3344,10 +3349,10 @@
       </p:grpSpPr>
       <p:pic>
         <p:nvPicPr>
-          <p:cNvPr id="1026" name="Picture 2" descr="Jira | Issue &amp; Project Tracking Software | Atlassian">
-            <a:extLst>
-              <a:ext uri="{FF2B5EF4-FFF2-40B4-BE49-F238E27FC236}">
-                <a16:creationId xmlns:a16="http://schemas.microsoft.com/office/drawing/2014/main" id="{F78A733A-D9F7-4C1E-AC28-11FF2D171DEB}"/>
+          <p:cNvPr id="1030" name="Picture 6" descr="How to Auto-sync Update from One Github Repository to Other Repository  Using Github Workflow | by Wendy Yanto | The Startup | Medium">
+            <a:extLst>
+              <a:ext uri="{FF2B5EF4-FFF2-40B4-BE49-F238E27FC236}">
+                <a16:creationId xmlns:a16="http://schemas.microsoft.com/office/drawing/2014/main" id="{8ACC5863-32F8-4CF4-85BA-33E8A4BD5C85}"/>
               </a:ext>
             </a:extLst>
           </p:cNvPr>
@@ -3371,8 +3376,8 @@
         </p:blipFill>
         <p:spPr bwMode="auto">
           <a:xfrm>
-            <a:off x="760234" y="1752037"/>
-            <a:ext cx="1294810" cy="433828"/>
+            <a:off x="4037068" y="1761909"/>
+            <a:ext cx="1766434" cy="976803"/>
           </a:xfrm>
           <a:prstGeom prst="rect">
             <a:avLst/>
@@ -3389,12 +3394,67 @@
           </a:extLst>
         </p:spPr>
       </p:pic>
+      <p:sp>
+        <p:nvSpPr>
+          <p:cNvPr id="14" name="Rectangle 13">
+            <a:extLst>
+              <a:ext uri="{FF2B5EF4-FFF2-40B4-BE49-F238E27FC236}">
+                <a16:creationId xmlns:a16="http://schemas.microsoft.com/office/drawing/2014/main" id="{9755BCA8-556E-43C8-88AA-75FA5C3CB545}"/>
+              </a:ext>
+            </a:extLst>
+          </p:cNvPr>
+          <p:cNvSpPr/>
+          <p:nvPr/>
+        </p:nvSpPr>
+        <p:spPr>
+          <a:xfrm>
+            <a:off x="5544378" y="822960"/>
+            <a:ext cx="6312342" cy="5578019"/>
+          </a:xfrm>
+          <a:prstGeom prst="rect">
+            <a:avLst/>
+          </a:prstGeom>
+          <a:solidFill>
+            <a:schemeClr val="bg1">
+              <a:lumMod val="85000"/>
+              <a:alpha val="13000"/>
+            </a:schemeClr>
+          </a:solidFill>
+          <a:ln w="19050">
+            <a:prstDash val="dash"/>
+          </a:ln>
+        </p:spPr>
+        <p:style>
+          <a:lnRef idx="2">
+            <a:schemeClr val="accent1">
+              <a:shade val="50000"/>
+            </a:schemeClr>
+          </a:lnRef>
+          <a:fillRef idx="1">
+            <a:schemeClr val="accent1"/>
+          </a:fillRef>
+          <a:effectRef idx="0">
+            <a:schemeClr val="accent1"/>
+          </a:effectRef>
+          <a:fontRef idx="minor">
+            <a:schemeClr val="lt1"/>
+          </a:fontRef>
+        </p:style>
+        <p:txBody>
+          <a:bodyPr rtlCol="0" anchor="ctr"/>
+          <a:lstStyle/>
+          <a:p>
+            <a:pPr algn="ctr"/>
+            <a:endParaRPr lang="en-GB"/>
+          </a:p>
+        </p:txBody>
+      </p:sp>
       <p:pic>
         <p:nvPicPr>
-          <p:cNvPr id="1028" name="Picture 4" descr="Download Visual Studio 2019 for Windows &amp; Mac">
-            <a:extLst>
-              <a:ext uri="{FF2B5EF4-FFF2-40B4-BE49-F238E27FC236}">
-                <a16:creationId xmlns:a16="http://schemas.microsoft.com/office/drawing/2014/main" id="{03BBA5D7-11CC-4681-87E8-61AF6EFDFA67}"/>
+          <p:cNvPr id="1026" name="Picture 2" descr="Jira | Issue &amp; Project Tracking Software | Atlassian">
+            <a:extLst>
+              <a:ext uri="{FF2B5EF4-FFF2-40B4-BE49-F238E27FC236}">
+                <a16:creationId xmlns:a16="http://schemas.microsoft.com/office/drawing/2014/main" id="{F78A733A-D9F7-4C1E-AC28-11FF2D171DEB}"/>
               </a:ext>
             </a:extLst>
           </p:cNvPr>
@@ -3418,8 +3478,8 @@
         </p:blipFill>
         <p:spPr bwMode="auto">
           <a:xfrm>
-            <a:off x="3054513" y="1704604"/>
-            <a:ext cx="711429" cy="753854"/>
+            <a:off x="760234" y="1752037"/>
+            <a:ext cx="1294810" cy="433828"/>
           </a:xfrm>
           <a:prstGeom prst="rect">
             <a:avLst/>
@@ -3438,10 +3498,10 @@
       </p:pic>
       <p:pic>
         <p:nvPicPr>
-          <p:cNvPr id="1030" name="Picture 6" descr="How to Auto-sync Update from One Github Repository to Other Repository  Using Github Workflow | by Wendy Yanto | The Startup | Medium">
-            <a:extLst>
-              <a:ext uri="{FF2B5EF4-FFF2-40B4-BE49-F238E27FC236}">
-                <a16:creationId xmlns:a16="http://schemas.microsoft.com/office/drawing/2014/main" id="{8ACC5863-32F8-4CF4-85BA-33E8A4BD5C85}"/>
+          <p:cNvPr id="1028" name="Picture 4" descr="Download Visual Studio 2019 for Windows &amp; Mac">
+            <a:extLst>
+              <a:ext uri="{FF2B5EF4-FFF2-40B4-BE49-F238E27FC236}">
+                <a16:creationId xmlns:a16="http://schemas.microsoft.com/office/drawing/2014/main" id="{03BBA5D7-11CC-4681-87E8-61AF6EFDFA67}"/>
               </a:ext>
             </a:extLst>
           </p:cNvPr>
@@ -3465,8 +3525,8 @@
         </p:blipFill>
         <p:spPr bwMode="auto">
           <a:xfrm>
-            <a:off x="4037068" y="1761909"/>
-            <a:ext cx="1766434" cy="976803"/>
+            <a:off x="3054513" y="1704604"/>
+            <a:ext cx="711429" cy="753854"/>
           </a:xfrm>
           <a:prstGeom prst="rect">
             <a:avLst/>
@@ -3794,8 +3854,8 @@
         </p:blipFill>
         <p:spPr bwMode="auto">
           <a:xfrm>
-            <a:off x="9799491" y="3352769"/>
-            <a:ext cx="1887073" cy="1056761"/>
+            <a:off x="10176330" y="946341"/>
+            <a:ext cx="1623684" cy="909263"/>
           </a:xfrm>
           <a:prstGeom prst="rect">
             <a:avLst/>
@@ -3929,6 +3989,7 @@
             <a:solidFill>
               <a:schemeClr val="tx1"/>
             </a:solidFill>
+            <a:headEnd type="triangle"/>
             <a:tailEnd type="triangle"/>
           </a:ln>
         </p:spPr>
@@ -4230,7 +4291,7 @@
         <p:spPr>
           <a:xfrm>
             <a:off x="9518685" y="3781376"/>
-            <a:ext cx="832606" cy="0"/>
+            <a:ext cx="1111170" cy="0"/>
           </a:xfrm>
           <a:prstGeom prst="straightConnector1">
             <a:avLst/>
@@ -4279,7 +4340,7 @@
           </a:prstGeom>
           <a:solidFill>
             <a:schemeClr val="accent1">
-              <a:alpha val="3000"/>
+              <a:alpha val="16000"/>
             </a:schemeClr>
           </a:solidFill>
           <a:ln>
@@ -4420,6 +4481,188 @@
             <a:r>
               <a:rPr lang="en-GB" sz="1100" b="1" dirty="0"/>
               <a:t>Pipeline</a:t>
+            </a:r>
+          </a:p>
+        </p:txBody>
+      </p:sp>
+      <p:sp>
+        <p:nvSpPr>
+          <p:cNvPr id="2" name="TextBox 1">
+            <a:extLst>
+              <a:ext uri="{FF2B5EF4-FFF2-40B4-BE49-F238E27FC236}">
+                <a16:creationId xmlns:a16="http://schemas.microsoft.com/office/drawing/2014/main" id="{C32F7E02-D374-4415-8857-FD345F124EF9}"/>
+              </a:ext>
+            </a:extLst>
+          </p:cNvPr>
+          <p:cNvSpPr txBox="1"/>
+          <p:nvPr/>
+        </p:nvSpPr>
+        <p:spPr>
+          <a:xfrm>
+            <a:off x="5544378" y="1722331"/>
+            <a:ext cx="816382" cy="276999"/>
+          </a:xfrm>
+          <a:prstGeom prst="rect">
+            <a:avLst/>
+          </a:prstGeom>
+          <a:noFill/>
+        </p:spPr>
+        <p:txBody>
+          <a:bodyPr wrap="square" rtlCol="0">
+            <a:spAutoFit/>
+          </a:bodyPr>
+          <a:lstStyle/>
+          <a:p>
+            <a:r>
+              <a:rPr lang="en-GB" sz="1200" dirty="0"/>
+              <a:t>Webhook</a:t>
+            </a:r>
+          </a:p>
+        </p:txBody>
+      </p:sp>
+      <p:cxnSp>
+        <p:nvCxnSpPr>
+          <p:cNvPr id="4" name="Connector: Elbow 3">
+            <a:extLst>
+              <a:ext uri="{FF2B5EF4-FFF2-40B4-BE49-F238E27FC236}">
+                <a16:creationId xmlns:a16="http://schemas.microsoft.com/office/drawing/2014/main" id="{E7AB9142-D9ED-420B-9BFD-8F9929B24D35}"/>
+              </a:ext>
+            </a:extLst>
+          </p:cNvPr>
+          <p:cNvCxnSpPr>
+            <a:cxnSpLocks/>
+          </p:cNvCxnSpPr>
+          <p:nvPr/>
+        </p:nvCxnSpPr>
+        <p:spPr>
+          <a:xfrm rot="5400000" flipH="1" flipV="1">
+            <a:off x="8395317" y="4552208"/>
+            <a:ext cx="1238252" cy="670774"/>
+          </a:xfrm>
+          <a:prstGeom prst="bentConnector3">
+            <a:avLst>
+              <a:gd name="adj1" fmla="val 769"/>
+            </a:avLst>
+          </a:prstGeom>
+          <a:ln w="31750">
+            <a:solidFill>
+              <a:schemeClr val="tx1"/>
+            </a:solidFill>
+            <a:tailEnd type="triangle"/>
+          </a:ln>
+        </p:spPr>
+        <p:style>
+          <a:lnRef idx="1">
+            <a:schemeClr val="accent1"/>
+          </a:lnRef>
+          <a:fillRef idx="0">
+            <a:schemeClr val="accent1"/>
+          </a:fillRef>
+          <a:effectRef idx="0">
+            <a:schemeClr val="accent1"/>
+          </a:effectRef>
+          <a:fontRef idx="minor">
+            <a:schemeClr val="tx1"/>
+          </a:fontRef>
+        </p:style>
+      </p:cxnSp>
+      <p:sp>
+        <p:nvSpPr>
+          <p:cNvPr id="12" name="Rectangle: Rounded Corners 11">
+            <a:extLst>
+              <a:ext uri="{FF2B5EF4-FFF2-40B4-BE49-F238E27FC236}">
+                <a16:creationId xmlns:a16="http://schemas.microsoft.com/office/drawing/2014/main" id="{73ACC602-8F57-45DD-9BB9-D16F66906647}"/>
+              </a:ext>
+            </a:extLst>
+          </p:cNvPr>
+          <p:cNvSpPr/>
+          <p:nvPr/>
+        </p:nvSpPr>
+        <p:spPr>
+          <a:xfrm>
+            <a:off x="10592715" y="3254987"/>
+            <a:ext cx="832606" cy="487012"/>
+          </a:xfrm>
+          <a:prstGeom prst="roundRect">
+            <a:avLst/>
+          </a:prstGeom>
+        </p:spPr>
+        <p:style>
+          <a:lnRef idx="2">
+            <a:schemeClr val="accent1">
+              <a:shade val="50000"/>
+            </a:schemeClr>
+          </a:lnRef>
+          <a:fillRef idx="1">
+            <a:schemeClr val="accent1"/>
+          </a:fillRef>
+          <a:effectRef idx="0">
+            <a:schemeClr val="accent1"/>
+          </a:effectRef>
+          <a:fontRef idx="minor">
+            <a:schemeClr val="lt1"/>
+          </a:fontRef>
+        </p:style>
+        <p:txBody>
+          <a:bodyPr rtlCol="0" anchor="ctr"/>
+          <a:lstStyle/>
+          <a:p>
+            <a:pPr algn="ctr"/>
+            <a:r>
+              <a:rPr lang="en-GB" sz="1100" dirty="0"/>
+              <a:t>Manager</a:t>
+            </a:r>
+          </a:p>
+        </p:txBody>
+      </p:sp>
+      <p:sp>
+        <p:nvSpPr>
+          <p:cNvPr id="36" name="Rectangle: Rounded Corners 35">
+            <a:extLst>
+              <a:ext uri="{FF2B5EF4-FFF2-40B4-BE49-F238E27FC236}">
+                <a16:creationId xmlns:a16="http://schemas.microsoft.com/office/drawing/2014/main" id="{8EC0CB5A-A482-40D0-A43D-A94F6AD3DEF9}"/>
+              </a:ext>
+            </a:extLst>
+          </p:cNvPr>
+          <p:cNvSpPr/>
+          <p:nvPr/>
+        </p:nvSpPr>
+        <p:spPr>
+          <a:xfrm>
+            <a:off x="10596584" y="3792886"/>
+            <a:ext cx="832606" cy="487012"/>
+          </a:xfrm>
+          <a:prstGeom prst="roundRect">
+            <a:avLst/>
+          </a:prstGeom>
+          <a:solidFill>
+            <a:schemeClr val="accent6"/>
+          </a:solidFill>
+        </p:spPr>
+        <p:style>
+          <a:lnRef idx="2">
+            <a:schemeClr val="accent1">
+              <a:shade val="50000"/>
+            </a:schemeClr>
+          </a:lnRef>
+          <a:fillRef idx="1">
+            <a:schemeClr val="accent1"/>
+          </a:fillRef>
+          <a:effectRef idx="0">
+            <a:schemeClr val="accent1"/>
+          </a:effectRef>
+          <a:fontRef idx="minor">
+            <a:schemeClr val="lt1"/>
+          </a:fontRef>
+        </p:style>
+        <p:txBody>
+          <a:bodyPr rtlCol="0" anchor="ctr"/>
+          <a:lstStyle/>
+          <a:p>
+            <a:pPr algn="ctr"/>
+            <a:r>
+              <a:rPr lang="en-GB" sz="1100" dirty="0"/>
+              <a:t>Worker(s)</a:t>
             </a:r>
           </a:p>
         </p:txBody>
